--- a/make_presentation/templates/templates/classic/_18.pptx
+++ b/make_presentation/templates/templates/classic/_18.pptx
@@ -309,7 +309,7 @@
             <a:pPr algn="r">
               <a:buNone/>
             </a:pPr>
-            <a:fld id="{FB2F9C2B-DD92-48AE-8E99-900A83DEB684}" type="slidenum">
+            <a:fld id="{E71F601B-83FE-4E3D-88B7-5F1F9CF20CE4}" type="slidenum">
               <a:rPr b="0" lang="en-US" sz="1400" spc="-1" strike="noStrike">
                 <a:latin typeface="Times New Roman"/>
               </a:rPr>
@@ -357,7 +357,7 @@
         <p:spPr>
           <a:xfrm>
             <a:off x="380880" y="685800"/>
-            <a:ext cx="6092280" cy="3425400"/>
+            <a:ext cx="6091920" cy="3425040"/>
           </a:xfrm>
           <a:prstGeom prst="rect">
             <a:avLst/>
@@ -380,7 +380,7 @@
         <p:spPr>
           <a:xfrm>
             <a:off x="685800" y="4343400"/>
-            <a:ext cx="5482800" cy="4111200"/>
+            <a:ext cx="5482440" cy="4110840"/>
           </a:xfrm>
           <a:prstGeom prst="rect">
             <a:avLst/>
@@ -414,7 +414,7 @@
         <p:spPr>
           <a:xfrm>
             <a:off x="3884760" y="8685360"/>
-            <a:ext cx="2968200" cy="453600"/>
+            <a:ext cx="2967840" cy="453240"/>
           </a:xfrm>
           <a:prstGeom prst="rect">
             <a:avLst/>
@@ -450,7 +450,7 @@
               </a:lnSpc>
               <a:buNone/>
             </a:pPr>
-            <a:fld id="{9B97EBD3-E0B3-40F5-A6C5-D4C016EDD764}" type="slidenum">
+            <a:fld id="{BE1F3979-E319-4286-99C2-396B312A1811}" type="slidenum">
               <a:rPr b="0" lang="en-US" sz="1200" spc="-1" strike="noStrike">
                 <a:solidFill>
                   <a:srgbClr val="000000"/>
@@ -501,7 +501,7 @@
         <p:spPr>
           <a:xfrm>
             <a:off x="380880" y="685800"/>
-            <a:ext cx="6092280" cy="3425400"/>
+            <a:ext cx="6091920" cy="3425040"/>
           </a:xfrm>
           <a:prstGeom prst="rect">
             <a:avLst/>
@@ -524,7 +524,7 @@
         <p:spPr>
           <a:xfrm>
             <a:off x="685800" y="4343400"/>
-            <a:ext cx="5482800" cy="4111200"/>
+            <a:ext cx="5482440" cy="4110840"/>
           </a:xfrm>
           <a:prstGeom prst="rect">
             <a:avLst/>
@@ -558,7 +558,7 @@
         <p:spPr>
           <a:xfrm>
             <a:off x="3884760" y="8685360"/>
-            <a:ext cx="2968200" cy="453600"/>
+            <a:ext cx="2967840" cy="453240"/>
           </a:xfrm>
           <a:prstGeom prst="rect">
             <a:avLst/>
@@ -594,7 +594,7 @@
               </a:lnSpc>
               <a:buNone/>
             </a:pPr>
-            <a:fld id="{DE209DDB-BF40-44D0-91B5-42BB29566E70}" type="slidenum">
+            <a:fld id="{6D984FB2-74F7-41CC-86C2-33781ED01F98}" type="slidenum">
               <a:rPr b="0" lang="en-US" sz="1200" spc="-1" strike="noStrike">
                 <a:solidFill>
                   <a:srgbClr val="000000"/>
@@ -645,7 +645,7 @@
         <p:spPr>
           <a:xfrm>
             <a:off x="380880" y="685800"/>
-            <a:ext cx="6092280" cy="3425400"/>
+            <a:ext cx="6091920" cy="3425040"/>
           </a:xfrm>
           <a:prstGeom prst="rect">
             <a:avLst/>
@@ -668,7 +668,7 @@
         <p:spPr>
           <a:xfrm>
             <a:off x="685800" y="4343400"/>
-            <a:ext cx="5482800" cy="4111200"/>
+            <a:ext cx="5482440" cy="4110840"/>
           </a:xfrm>
           <a:prstGeom prst="rect">
             <a:avLst/>
@@ -702,7 +702,7 @@
         <p:spPr>
           <a:xfrm>
             <a:off x="3884760" y="8685360"/>
-            <a:ext cx="2968200" cy="453600"/>
+            <a:ext cx="2967840" cy="453240"/>
           </a:xfrm>
           <a:prstGeom prst="rect">
             <a:avLst/>
@@ -738,7 +738,7 @@
               </a:lnSpc>
               <a:buNone/>
             </a:pPr>
-            <a:fld id="{BD15644E-8331-4618-9CBF-4578E3BB23DA}" type="slidenum">
+            <a:fld id="{05C0B8EB-E84C-42EF-B023-E66471DEF98B}" type="slidenum">
               <a:rPr b="0" lang="en-US" sz="1200" spc="-1" strike="noStrike">
                 <a:solidFill>
                   <a:srgbClr val="000000"/>
@@ -789,7 +789,7 @@
         <p:spPr>
           <a:xfrm>
             <a:off x="380880" y="685800"/>
-            <a:ext cx="6092280" cy="3425400"/>
+            <a:ext cx="6091920" cy="3425040"/>
           </a:xfrm>
           <a:prstGeom prst="rect">
             <a:avLst/>
@@ -812,7 +812,7 @@
         <p:spPr>
           <a:xfrm>
             <a:off x="685800" y="4343400"/>
-            <a:ext cx="5482800" cy="4111200"/>
+            <a:ext cx="5482440" cy="4110840"/>
           </a:xfrm>
           <a:prstGeom prst="rect">
             <a:avLst/>
@@ -846,7 +846,7 @@
         <p:spPr>
           <a:xfrm>
             <a:off x="3884760" y="8685360"/>
-            <a:ext cx="2968200" cy="453600"/>
+            <a:ext cx="2967840" cy="453240"/>
           </a:xfrm>
           <a:prstGeom prst="rect">
             <a:avLst/>
@@ -882,7 +882,7 @@
               </a:lnSpc>
               <a:buNone/>
             </a:pPr>
-            <a:fld id="{846DB9F7-B344-4611-A584-14E7FC378F43}" type="slidenum">
+            <a:fld id="{F09923A9-0D73-4D17-9B6A-F9CC2AE80AE6}" type="slidenum">
               <a:rPr b="0" lang="en-US" sz="1200" spc="-1" strike="noStrike">
                 <a:solidFill>
                   <a:srgbClr val="000000"/>
@@ -933,7 +933,7 @@
         <p:spPr>
           <a:xfrm>
             <a:off x="380880" y="685800"/>
-            <a:ext cx="6092280" cy="3425400"/>
+            <a:ext cx="6091920" cy="3425040"/>
           </a:xfrm>
           <a:prstGeom prst="rect">
             <a:avLst/>
@@ -956,7 +956,7 @@
         <p:spPr>
           <a:xfrm>
             <a:off x="685800" y="4343400"/>
-            <a:ext cx="5482800" cy="4111200"/>
+            <a:ext cx="5482440" cy="4110840"/>
           </a:xfrm>
           <a:prstGeom prst="rect">
             <a:avLst/>
@@ -990,7 +990,7 @@
         <p:spPr>
           <a:xfrm>
             <a:off x="3884760" y="8685360"/>
-            <a:ext cx="2968200" cy="453600"/>
+            <a:ext cx="2967840" cy="453240"/>
           </a:xfrm>
           <a:prstGeom prst="rect">
             <a:avLst/>
@@ -1026,7 +1026,7 @@
               </a:lnSpc>
               <a:buNone/>
             </a:pPr>
-            <a:fld id="{C400187D-F400-4E86-A534-93D0C256FAD2}" type="slidenum">
+            <a:fld id="{2C6EA5F9-14E3-402D-A350-95E58D64EE5A}" type="slidenum">
               <a:rPr b="0" lang="en-US" sz="1200" spc="-1" strike="noStrike">
                 <a:solidFill>
                   <a:srgbClr val="000000"/>
@@ -1077,7 +1077,7 @@
         <p:spPr>
           <a:xfrm>
             <a:off x="380880" y="685800"/>
-            <a:ext cx="6092280" cy="3425400"/>
+            <a:ext cx="6091920" cy="3425040"/>
           </a:xfrm>
           <a:prstGeom prst="rect">
             <a:avLst/>
@@ -1100,7 +1100,7 @@
         <p:spPr>
           <a:xfrm>
             <a:off x="685800" y="4343400"/>
-            <a:ext cx="5482800" cy="4111200"/>
+            <a:ext cx="5482440" cy="4110840"/>
           </a:xfrm>
           <a:prstGeom prst="rect">
             <a:avLst/>
@@ -1134,7 +1134,7 @@
         <p:spPr>
           <a:xfrm>
             <a:off x="3884760" y="8685360"/>
-            <a:ext cx="2968200" cy="453600"/>
+            <a:ext cx="2967840" cy="453240"/>
           </a:xfrm>
           <a:prstGeom prst="rect">
             <a:avLst/>
@@ -1170,7 +1170,7 @@
               </a:lnSpc>
               <a:buNone/>
             </a:pPr>
-            <a:fld id="{7F54CC72-75FE-4110-A1D8-1D2F6123EA48}" type="slidenum">
+            <a:fld id="{752384A0-BAD8-4B05-8775-40B63B7317C3}" type="slidenum">
               <a:rPr b="0" lang="en-US" sz="1200" spc="-1" strike="noStrike">
                 <a:solidFill>
                   <a:srgbClr val="000000"/>
@@ -1221,7 +1221,7 @@
         <p:spPr>
           <a:xfrm>
             <a:off x="380880" y="685800"/>
-            <a:ext cx="6092280" cy="3425400"/>
+            <a:ext cx="6091920" cy="3425040"/>
           </a:xfrm>
           <a:prstGeom prst="rect">
             <a:avLst/>
@@ -1244,7 +1244,7 @@
         <p:spPr>
           <a:xfrm>
             <a:off x="685800" y="4343400"/>
-            <a:ext cx="5482800" cy="4111200"/>
+            <a:ext cx="5482440" cy="4110840"/>
           </a:xfrm>
           <a:prstGeom prst="rect">
             <a:avLst/>
@@ -1278,7 +1278,7 @@
         <p:spPr>
           <a:xfrm>
             <a:off x="3884760" y="8685360"/>
-            <a:ext cx="2968200" cy="453600"/>
+            <a:ext cx="2967840" cy="453240"/>
           </a:xfrm>
           <a:prstGeom prst="rect">
             <a:avLst/>
@@ -1314,7 +1314,7 @@
               </a:lnSpc>
               <a:buNone/>
             </a:pPr>
-            <a:fld id="{F06D7A27-F2A1-407E-A895-E5FBCD1F6F2D}" type="slidenum">
+            <a:fld id="{F1007C3A-E8D5-4B4A-9452-3B49294CCAB0}" type="slidenum">
               <a:rPr b="0" lang="en-US" sz="1200" spc="-1" strike="noStrike">
                 <a:solidFill>
                   <a:srgbClr val="000000"/>
@@ -1365,7 +1365,7 @@
         <p:spPr>
           <a:xfrm>
             <a:off x="380880" y="685800"/>
-            <a:ext cx="6092280" cy="3425400"/>
+            <a:ext cx="6091920" cy="3425040"/>
           </a:xfrm>
           <a:prstGeom prst="rect">
             <a:avLst/>
@@ -1388,7 +1388,7 @@
         <p:spPr>
           <a:xfrm>
             <a:off x="685800" y="4343400"/>
-            <a:ext cx="5482800" cy="4111200"/>
+            <a:ext cx="5482440" cy="4110840"/>
           </a:xfrm>
           <a:prstGeom prst="rect">
             <a:avLst/>
@@ -1422,7 +1422,7 @@
         <p:spPr>
           <a:xfrm>
             <a:off x="3884760" y="8685360"/>
-            <a:ext cx="2968200" cy="453600"/>
+            <a:ext cx="2967840" cy="453240"/>
           </a:xfrm>
           <a:prstGeom prst="rect">
             <a:avLst/>
@@ -1458,7 +1458,7 @@
               </a:lnSpc>
               <a:buNone/>
             </a:pPr>
-            <a:fld id="{D12B6C94-FC08-49FC-B08F-BC4220FC02BA}" type="slidenum">
+            <a:fld id="{379BAB63-ADDE-41CF-8EC8-6E2E821DF112}" type="slidenum">
               <a:rPr b="0" lang="en-US" sz="1200" spc="-1" strike="noStrike">
                 <a:solidFill>
                   <a:srgbClr val="000000"/>
@@ -1509,7 +1509,7 @@
         <p:spPr>
           <a:xfrm>
             <a:off x="380880" y="685800"/>
-            <a:ext cx="6092280" cy="3425400"/>
+            <a:ext cx="6091920" cy="3425040"/>
           </a:xfrm>
           <a:prstGeom prst="rect">
             <a:avLst/>
@@ -1532,7 +1532,7 @@
         <p:spPr>
           <a:xfrm>
             <a:off x="685800" y="4343400"/>
-            <a:ext cx="5482800" cy="4111200"/>
+            <a:ext cx="5482440" cy="4110840"/>
           </a:xfrm>
           <a:prstGeom prst="rect">
             <a:avLst/>
@@ -1566,7 +1566,7 @@
         <p:spPr>
           <a:xfrm>
             <a:off x="3884760" y="8685360"/>
-            <a:ext cx="2968200" cy="453600"/>
+            <a:ext cx="2967840" cy="453240"/>
           </a:xfrm>
           <a:prstGeom prst="rect">
             <a:avLst/>
@@ -1602,7 +1602,7 @@
               </a:lnSpc>
               <a:buNone/>
             </a:pPr>
-            <a:fld id="{C51CEE43-6264-4F0B-84FE-A49D497BCDA0}" type="slidenum">
+            <a:fld id="{3617BEFB-0BC7-4F2E-BB40-D160870651B2}" type="slidenum">
               <a:rPr b="0" lang="en-US" sz="1200" spc="-1" strike="noStrike">
                 <a:solidFill>
                   <a:srgbClr val="000000"/>
@@ -1653,7 +1653,7 @@
         <p:spPr>
           <a:xfrm>
             <a:off x="380880" y="685800"/>
-            <a:ext cx="6092280" cy="3425400"/>
+            <a:ext cx="6091920" cy="3425040"/>
           </a:xfrm>
           <a:prstGeom prst="rect">
             <a:avLst/>
@@ -1676,7 +1676,7 @@
         <p:spPr>
           <a:xfrm>
             <a:off x="685800" y="4343400"/>
-            <a:ext cx="5482800" cy="4111200"/>
+            <a:ext cx="5482440" cy="4110840"/>
           </a:xfrm>
           <a:prstGeom prst="rect">
             <a:avLst/>
@@ -1710,7 +1710,7 @@
         <p:spPr>
           <a:xfrm>
             <a:off x="3884760" y="8685360"/>
-            <a:ext cx="2968200" cy="453600"/>
+            <a:ext cx="2967840" cy="453240"/>
           </a:xfrm>
           <a:prstGeom prst="rect">
             <a:avLst/>
@@ -1746,7 +1746,7 @@
               </a:lnSpc>
               <a:buNone/>
             </a:pPr>
-            <a:fld id="{1877A776-76DA-4B01-AA30-17800060AAD5}" type="slidenum">
+            <a:fld id="{FEFBF6BE-F93A-4CEB-88F9-6DCBD48D0197}" type="slidenum">
               <a:rPr b="0" lang="en-US" sz="1200" spc="-1" strike="noStrike">
                 <a:solidFill>
                   <a:srgbClr val="000000"/>
@@ -1797,7 +1797,7 @@
         <p:spPr>
           <a:xfrm>
             <a:off x="380880" y="685800"/>
-            <a:ext cx="6092280" cy="3425400"/>
+            <a:ext cx="6091920" cy="3425040"/>
           </a:xfrm>
           <a:prstGeom prst="rect">
             <a:avLst/>
@@ -1820,7 +1820,7 @@
         <p:spPr>
           <a:xfrm>
             <a:off x="685800" y="4343400"/>
-            <a:ext cx="5482800" cy="4111200"/>
+            <a:ext cx="5482440" cy="4110840"/>
           </a:xfrm>
           <a:prstGeom prst="rect">
             <a:avLst/>
@@ -1854,7 +1854,7 @@
         <p:spPr>
           <a:xfrm>
             <a:off x="3884760" y="8685360"/>
-            <a:ext cx="2968200" cy="453600"/>
+            <a:ext cx="2967840" cy="453240"/>
           </a:xfrm>
           <a:prstGeom prst="rect">
             <a:avLst/>
@@ -1890,7 +1890,7 @@
               </a:lnSpc>
               <a:buNone/>
             </a:pPr>
-            <a:fld id="{5A93B9D6-66DD-48C7-8FB8-DDC95D345BCC}" type="slidenum">
+            <a:fld id="{C71A00C3-A06C-4A6B-8F7E-8DB865F90C46}" type="slidenum">
               <a:rPr b="0" lang="en-US" sz="1200" spc="-1" strike="noStrike">
                 <a:solidFill>
                   <a:srgbClr val="000000"/>
@@ -1941,7 +1941,7 @@
         <p:spPr>
           <a:xfrm>
             <a:off x="380880" y="685800"/>
-            <a:ext cx="6092280" cy="3425400"/>
+            <a:ext cx="6091920" cy="3425040"/>
           </a:xfrm>
           <a:prstGeom prst="rect">
             <a:avLst/>
@@ -1964,7 +1964,7 @@
         <p:spPr>
           <a:xfrm>
             <a:off x="685800" y="4343400"/>
-            <a:ext cx="5482800" cy="4111200"/>
+            <a:ext cx="5482440" cy="4110840"/>
           </a:xfrm>
           <a:prstGeom prst="rect">
             <a:avLst/>
@@ -1998,7 +1998,7 @@
         <p:spPr>
           <a:xfrm>
             <a:off x="3884760" y="8685360"/>
-            <a:ext cx="2968200" cy="453600"/>
+            <a:ext cx="2967840" cy="453240"/>
           </a:xfrm>
           <a:prstGeom prst="rect">
             <a:avLst/>
@@ -2034,7 +2034,7 @@
               </a:lnSpc>
               <a:buNone/>
             </a:pPr>
-            <a:fld id="{6FBC761C-991E-4135-82FF-757D97E88B4E}" type="slidenum">
+            <a:fld id="{375BF2E3-A0C3-4D2E-852A-BE4D64522BF8}" type="slidenum">
               <a:rPr b="0" lang="en-US" sz="1200" spc="-1" strike="noStrike">
                 <a:solidFill>
                   <a:srgbClr val="000000"/>
@@ -2085,7 +2085,7 @@
         <p:spPr>
           <a:xfrm>
             <a:off x="380880" y="685800"/>
-            <a:ext cx="6092280" cy="3425400"/>
+            <a:ext cx="6091920" cy="3425040"/>
           </a:xfrm>
           <a:prstGeom prst="rect">
             <a:avLst/>
@@ -2108,7 +2108,7 @@
         <p:spPr>
           <a:xfrm>
             <a:off x="685800" y="4343400"/>
-            <a:ext cx="5482800" cy="4111200"/>
+            <a:ext cx="5482440" cy="4110840"/>
           </a:xfrm>
           <a:prstGeom prst="rect">
             <a:avLst/>
@@ -2142,7 +2142,7 @@
         <p:spPr>
           <a:xfrm>
             <a:off x="3884760" y="8685360"/>
-            <a:ext cx="2968200" cy="453600"/>
+            <a:ext cx="2967840" cy="453240"/>
           </a:xfrm>
           <a:prstGeom prst="rect">
             <a:avLst/>
@@ -2178,7 +2178,7 @@
               </a:lnSpc>
               <a:buNone/>
             </a:pPr>
-            <a:fld id="{F9303297-6CCD-4B1A-BA84-E90039D05A32}" type="slidenum">
+            <a:fld id="{9ECB2F85-EE18-444E-B109-4DBF4B7F5139}" type="slidenum">
               <a:rPr b="0" lang="en-US" sz="1200" spc="-1" strike="noStrike">
                 <a:solidFill>
                   <a:srgbClr val="000000"/>
@@ -2229,7 +2229,7 @@
         <p:spPr>
           <a:xfrm>
             <a:off x="380880" y="685800"/>
-            <a:ext cx="6092280" cy="3425400"/>
+            <a:ext cx="6091920" cy="3425040"/>
           </a:xfrm>
           <a:prstGeom prst="rect">
             <a:avLst/>
@@ -2252,7 +2252,7 @@
         <p:spPr>
           <a:xfrm>
             <a:off x="685800" y="4343400"/>
-            <a:ext cx="5482800" cy="4111200"/>
+            <a:ext cx="5482440" cy="4110840"/>
           </a:xfrm>
           <a:prstGeom prst="rect">
             <a:avLst/>
@@ -2286,7 +2286,7 @@
         <p:spPr>
           <a:xfrm>
             <a:off x="3884760" y="8685360"/>
-            <a:ext cx="2968200" cy="453600"/>
+            <a:ext cx="2967840" cy="453240"/>
           </a:xfrm>
           <a:prstGeom prst="rect">
             <a:avLst/>
@@ -2322,7 +2322,7 @@
               </a:lnSpc>
               <a:buNone/>
             </a:pPr>
-            <a:fld id="{8189FA42-CCAC-49FF-B691-1C010FFC2C3A}" type="slidenum">
+            <a:fld id="{62CEC8A9-470D-42FA-968C-2C48D830A8AD}" type="slidenum">
               <a:rPr b="0" lang="en-US" sz="1200" spc="-1" strike="noStrike">
                 <a:solidFill>
                   <a:srgbClr val="000000"/>
@@ -2373,7 +2373,7 @@
         <p:spPr>
           <a:xfrm>
             <a:off x="380880" y="685800"/>
-            <a:ext cx="6092280" cy="3425400"/>
+            <a:ext cx="6091920" cy="3425040"/>
           </a:xfrm>
           <a:prstGeom prst="rect">
             <a:avLst/>
@@ -2396,7 +2396,7 @@
         <p:spPr>
           <a:xfrm>
             <a:off x="685800" y="4343400"/>
-            <a:ext cx="5482800" cy="4111200"/>
+            <a:ext cx="5482440" cy="4110840"/>
           </a:xfrm>
           <a:prstGeom prst="rect">
             <a:avLst/>
@@ -2430,7 +2430,7 @@
         <p:spPr>
           <a:xfrm>
             <a:off x="3884760" y="8685360"/>
-            <a:ext cx="2968200" cy="453600"/>
+            <a:ext cx="2967840" cy="453240"/>
           </a:xfrm>
           <a:prstGeom prst="rect">
             <a:avLst/>
@@ -2466,7 +2466,7 @@
               </a:lnSpc>
               <a:buNone/>
             </a:pPr>
-            <a:fld id="{DBC7E00C-6441-4D9C-8E6C-5A381B88A2C4}" type="slidenum">
+            <a:fld id="{029B51CF-D6FA-4BEF-B3FC-85B531683394}" type="slidenum">
               <a:rPr b="0" lang="en-US" sz="1200" spc="-1" strike="noStrike">
                 <a:solidFill>
                   <a:srgbClr val="000000"/>
@@ -2517,7 +2517,7 @@
         <p:spPr>
           <a:xfrm>
             <a:off x="380880" y="685800"/>
-            <a:ext cx="6092280" cy="3425400"/>
+            <a:ext cx="6091920" cy="3425040"/>
           </a:xfrm>
           <a:prstGeom prst="rect">
             <a:avLst/>
@@ -2540,7 +2540,7 @@
         <p:spPr>
           <a:xfrm>
             <a:off x="685800" y="4343400"/>
-            <a:ext cx="5482800" cy="4111200"/>
+            <a:ext cx="5482440" cy="4110840"/>
           </a:xfrm>
           <a:prstGeom prst="rect">
             <a:avLst/>
@@ -2574,7 +2574,7 @@
         <p:spPr>
           <a:xfrm>
             <a:off x="3884760" y="8685360"/>
-            <a:ext cx="2968200" cy="453600"/>
+            <a:ext cx="2967840" cy="453240"/>
           </a:xfrm>
           <a:prstGeom prst="rect">
             <a:avLst/>
@@ -2610,7 +2610,7 @@
               </a:lnSpc>
               <a:buNone/>
             </a:pPr>
-            <a:fld id="{4F023EF3-4C41-477F-AF51-3904F4708FF6}" type="slidenum">
+            <a:fld id="{27B10B8A-1618-436E-889A-08455E718CFC}" type="slidenum">
               <a:rPr b="0" lang="en-US" sz="1200" spc="-1" strike="noStrike">
                 <a:solidFill>
                   <a:srgbClr val="000000"/>
@@ -2661,7 +2661,7 @@
         <p:spPr>
           <a:xfrm>
             <a:off x="380880" y="685800"/>
-            <a:ext cx="6092280" cy="3425400"/>
+            <a:ext cx="6091920" cy="3425040"/>
           </a:xfrm>
           <a:prstGeom prst="rect">
             <a:avLst/>
@@ -2684,7 +2684,7 @@
         <p:spPr>
           <a:xfrm>
             <a:off x="685800" y="4343400"/>
-            <a:ext cx="5482800" cy="4111200"/>
+            <a:ext cx="5482440" cy="4110840"/>
           </a:xfrm>
           <a:prstGeom prst="rect">
             <a:avLst/>
@@ -2718,7 +2718,7 @@
         <p:spPr>
           <a:xfrm>
             <a:off x="3884760" y="8685360"/>
-            <a:ext cx="2968200" cy="453600"/>
+            <a:ext cx="2967840" cy="453240"/>
           </a:xfrm>
           <a:prstGeom prst="rect">
             <a:avLst/>
@@ -2754,7 +2754,7 @@
               </a:lnSpc>
               <a:buNone/>
             </a:pPr>
-            <a:fld id="{BBF0DEB8-018E-45AD-BB30-BC7B000D2C04}" type="slidenum">
+            <a:fld id="{C79AA6AE-8BED-47DE-99B4-EC3722A49240}" type="slidenum">
               <a:rPr b="0" lang="en-US" sz="1200" spc="-1" strike="noStrike">
                 <a:solidFill>
                   <a:srgbClr val="000000"/>
@@ -2805,7 +2805,7 @@
         <p:spPr>
           <a:xfrm>
             <a:off x="380880" y="685800"/>
-            <a:ext cx="6092280" cy="3425400"/>
+            <a:ext cx="6091920" cy="3425040"/>
           </a:xfrm>
           <a:prstGeom prst="rect">
             <a:avLst/>
@@ -2828,7 +2828,7 @@
         <p:spPr>
           <a:xfrm>
             <a:off x="685800" y="4343400"/>
-            <a:ext cx="5482800" cy="4111200"/>
+            <a:ext cx="5482440" cy="4110840"/>
           </a:xfrm>
           <a:prstGeom prst="rect">
             <a:avLst/>
@@ -2862,7 +2862,7 @@
         <p:spPr>
           <a:xfrm>
             <a:off x="3884760" y="8685360"/>
-            <a:ext cx="2968200" cy="453600"/>
+            <a:ext cx="2967840" cy="453240"/>
           </a:xfrm>
           <a:prstGeom prst="rect">
             <a:avLst/>
@@ -2898,7 +2898,7 @@
               </a:lnSpc>
               <a:buNone/>
             </a:pPr>
-            <a:fld id="{14C0227B-CDCE-469C-8A81-BD39A914F3DA}" type="slidenum">
+            <a:fld id="{28ACC5FD-D913-480F-85AE-52F6D3DBCCB2}" type="slidenum">
               <a:rPr b="0" lang="en-US" sz="1200" spc="-1" strike="noStrike">
                 <a:solidFill>
                   <a:srgbClr val="000000"/>
@@ -2970,7 +2970,7 @@
         <p:txBody>
           <a:bodyPr/>
           <a:p>
-            <a:fld id="{CF8DC2C6-0BFB-4F73-9826-8EBC028DE915}" type="slidenum">
+            <a:fld id="{7A15DB2D-100F-4F68-8B00-D508B170C23A}" type="slidenum">
               <a:t>&lt;#&gt;</a:t>
             </a:fld>
           </a:p>
@@ -3158,7 +3158,7 @@
         <p:txBody>
           <a:bodyPr/>
           <a:p>
-            <a:fld id="{A3790C8C-E0CE-4003-BD57-248E45839068}" type="slidenum">
+            <a:fld id="{499332EA-C53B-4269-9834-9B6F1BF2E60C}" type="slidenum">
               <a:t>&lt;#&gt;</a:t>
             </a:fld>
           </a:p>
@@ -3414,7 +3414,7 @@
         <p:txBody>
           <a:bodyPr/>
           <a:p>
-            <a:fld id="{EC90C16A-D8DF-4A45-9754-F05CE72B9A27}" type="slidenum">
+            <a:fld id="{3F49C668-3FA7-45D9-BE43-8154D152060E}" type="slidenum">
               <a:t>&lt;#&gt;</a:t>
             </a:fld>
           </a:p>
@@ -3738,7 +3738,7 @@
         <p:txBody>
           <a:bodyPr/>
           <a:p>
-            <a:fld id="{252C580B-BFA3-42EA-808B-8BCE00A41025}" type="slidenum">
+            <a:fld id="{2AD31191-B4CD-4B72-B503-74B9077FE3B1}" type="slidenum">
               <a:t>&lt;#&gt;</a:t>
             </a:fld>
           </a:p>
@@ -3895,7 +3895,7 @@
         <p:txBody>
           <a:bodyPr/>
           <a:p>
-            <a:fld id="{4BACD936-7C34-4727-998A-DB2E0F06FF81}" type="slidenum">
+            <a:fld id="{018407C7-1A5F-4A1F-AD79-38ECBF3570FC}" type="slidenum">
               <a:t>&lt;#&gt;</a:t>
             </a:fld>
           </a:p>
@@ -4049,7 +4049,7 @@
         <p:txBody>
           <a:bodyPr/>
           <a:p>
-            <a:fld id="{0A576555-CD77-405D-98FB-54D0D42D0313}" type="slidenum">
+            <a:fld id="{C992B6EF-4386-445D-BDFF-919BA0E9BE36}" type="slidenum">
               <a:t>&lt;#&gt;</a:t>
             </a:fld>
           </a:p>
@@ -4237,7 +4237,7 @@
         <p:txBody>
           <a:bodyPr/>
           <a:p>
-            <a:fld id="{D4FB56C9-7BA4-4CBB-9720-A8101F64BE81}" type="slidenum">
+            <a:fld id="{E55D4C09-A226-468A-A1B1-DCB0F8B66DE0}" type="slidenum">
               <a:t>&lt;#&gt;</a:t>
             </a:fld>
           </a:p>
@@ -4357,7 +4357,7 @@
         <p:txBody>
           <a:bodyPr/>
           <a:p>
-            <a:fld id="{3504F616-DD41-44D9-B52C-6004DD378929}" type="slidenum">
+            <a:fld id="{7406BCDE-B387-437F-B501-F18A190D7181}" type="slidenum">
               <a:t>&lt;#&gt;</a:t>
             </a:fld>
           </a:p>
@@ -4477,7 +4477,7 @@
         <p:txBody>
           <a:bodyPr/>
           <a:p>
-            <a:fld id="{14EE7A5F-AE94-4065-BDEF-7971166B8CCD}" type="slidenum">
+            <a:fld id="{83DC2550-5720-436F-AE38-C44888013065}" type="slidenum">
               <a:t>&lt;#&gt;</a:t>
             </a:fld>
           </a:p>
@@ -4699,7 +4699,7 @@
         <p:txBody>
           <a:bodyPr/>
           <a:p>
-            <a:fld id="{16A2F5CE-73D5-4CCD-80E8-64DEBB69F9F0}" type="slidenum">
+            <a:fld id="{ED503A59-2DDD-47BB-AEB1-7C13B877C2BE}" type="slidenum">
               <a:t>&lt;#&gt;</a:t>
             </a:fld>
           </a:p>
@@ -4921,7 +4921,7 @@
         <p:txBody>
           <a:bodyPr/>
           <a:p>
-            <a:fld id="{FB3D2862-5802-4329-AF26-22156AA115E7}" type="slidenum">
+            <a:fld id="{1161DDBE-E81B-4239-B604-CA8AC182ED6C}" type="slidenum">
               <a:t>&lt;#&gt;</a:t>
             </a:fld>
           </a:p>
@@ -5143,7 +5143,7 @@
         <p:txBody>
           <a:bodyPr/>
           <a:p>
-            <a:fld id="{0CC76E6D-3E5A-44EB-B46D-048DAE74E540}" type="slidenum">
+            <a:fld id="{ACAC653F-8333-47E6-8B54-843EA2E15167}" type="slidenum">
               <a:t>&lt;#&gt;</a:t>
             </a:fld>
           </a:p>
@@ -5212,7 +5212,7 @@
         <p:spPr>
           <a:xfrm>
             <a:off x="3028680" y="4771440"/>
-            <a:ext cx="3083040" cy="271080"/>
+            <a:ext cx="3082680" cy="270720"/>
           </a:xfrm>
           <a:prstGeom prst="rect">
             <a:avLst/>
@@ -5256,7 +5256,7 @@
                 <a:latin typeface="Times New Roman"/>
                 <a:ea typeface="DejaVu Sans"/>
               </a:rPr>
-              <a:t> </a:t>
+              <a:t>&lt;footer&gt;</a:t>
             </a:r>
             <a:endParaRPr b="0" lang="en-US" sz="1400" spc="-1" strike="noStrike">
               <a:latin typeface="Times New Roman"/>
@@ -5277,7 +5277,7 @@
         <p:spPr>
           <a:xfrm>
             <a:off x="6457680" y="4771440"/>
-            <a:ext cx="2054520" cy="271080"/>
+            <a:ext cx="2054160" cy="270720"/>
           </a:xfrm>
           <a:prstGeom prst="rect">
             <a:avLst/>
@@ -5313,7 +5313,7 @@
               </a:lnSpc>
               <a:buNone/>
             </a:pPr>
-            <a:fld id="{61A921CD-35F1-4BCC-9BFD-F798073A0F51}" type="slidenum">
+            <a:fld id="{FF93D5C9-B689-4B65-B75E-5DA4D94F58C3}" type="slidenum">
               <a:rPr b="0" lang="en-US" sz="1200" spc="-1" strike="noStrike">
                 <a:solidFill>
                   <a:srgbClr val="8b8b8b"/>
@@ -5321,7 +5321,7 @@
                 <a:latin typeface="Calibri"/>
                 <a:ea typeface="DejaVu Sans"/>
               </a:rPr>
-              <a:t>17</a:t>
+              <a:t>&lt;number&gt;</a:t>
             </a:fld>
             <a:endParaRPr b="0" lang="en-US" sz="1200" spc="-1" strike="noStrike">
               <a:latin typeface="Times New Roman"/>
@@ -5342,7 +5342,7 @@
         <p:spPr>
           <a:xfrm>
             <a:off x="628200" y="4771440"/>
-            <a:ext cx="2054520" cy="271080"/>
+            <a:ext cx="2054160" cy="270720"/>
           </a:xfrm>
           <a:prstGeom prst="rect">
             <a:avLst/>
@@ -5368,7 +5368,7 @@
               <a:rPr b="0" lang="en-US" sz="1400" spc="-1" strike="noStrike">
                 <a:latin typeface="Times New Roman"/>
               </a:rPr>
-              <a:t> </a:t>
+              <a:t>&lt;date/time&gt;</a:t>
             </a:r>
             <a:endParaRPr b="0" lang="en-US" sz="1400" spc="-1" strike="noStrike">
               <a:latin typeface="Times New Roman"/>
@@ -5654,8 +5654,8 @@
         </p:nvSpPr>
         <p:spPr>
           <a:xfrm rot="2744400">
-            <a:off x="-281880" y="-25920"/>
-            <a:ext cx="705240" cy="704880"/>
+            <a:off x="-281520" y="-25920"/>
+            <a:ext cx="704880" cy="704520"/>
           </a:xfrm>
           <a:prstGeom prst="roundRect">
             <a:avLst>
@@ -5692,8 +5692,8 @@
         </p:nvSpPr>
         <p:spPr>
           <a:xfrm rot="2625600">
-            <a:off x="6024960" y="4333320"/>
-            <a:ext cx="469080" cy="469080"/>
+            <a:off x="6024960" y="4332960"/>
+            <a:ext cx="468720" cy="468720"/>
           </a:xfrm>
           <a:prstGeom prst="roundRect">
             <a:avLst>
@@ -5730,8 +5730,8 @@
         </p:nvSpPr>
         <p:spPr>
           <a:xfrm rot="18679200">
-            <a:off x="7004520" y="948600"/>
-            <a:ext cx="4940640" cy="4667040"/>
+            <a:off x="7004160" y="948600"/>
+            <a:ext cx="4940280" cy="4666680"/>
           </a:xfrm>
           <a:prstGeom prst="roundRect">
             <a:avLst>
@@ -5769,7 +5769,7 @@
         <p:spPr>
           <a:xfrm>
             <a:off x="459720" y="4671360"/>
-            <a:ext cx="2996280" cy="267120"/>
+            <a:ext cx="2995920" cy="266760"/>
           </a:xfrm>
           <a:prstGeom prst="rect">
             <a:avLst/>
@@ -5834,8 +5834,8 @@
         </p:blipFill>
         <p:spPr>
           <a:xfrm>
-            <a:off x="2423160" y="4671720"/>
-            <a:ext cx="288720" cy="288720"/>
+            <a:off x="2971800" y="4740840"/>
+            <a:ext cx="288360" cy="288360"/>
           </a:xfrm>
           <a:prstGeom prst="rect">
             <a:avLst/>
@@ -5854,7 +5854,7 @@
         <p:spPr>
           <a:xfrm>
             <a:off x="484920" y="1681560"/>
-            <a:ext cx="5481720" cy="1883160"/>
+            <a:ext cx="5481360" cy="1882800"/>
           </a:xfrm>
           <a:prstGeom prst="rect">
             <a:avLst/>
@@ -5942,8 +5942,8 @@
         </p:nvSpPr>
         <p:spPr>
           <a:xfrm rot="2744400">
-            <a:off x="-281880" y="-25920"/>
-            <a:ext cx="705240" cy="704880"/>
+            <a:off x="-281520" y="-25920"/>
+            <a:ext cx="704880" cy="704520"/>
           </a:xfrm>
           <a:prstGeom prst="roundRect">
             <a:avLst>
@@ -5980,8 +5980,8 @@
         </p:nvSpPr>
         <p:spPr>
           <a:xfrm rot="2332200">
-            <a:off x="6009480" y="-320040"/>
-            <a:ext cx="4856400" cy="7727400"/>
+            <a:off x="6009480" y="-319680"/>
+            <a:ext cx="4856040" cy="7727040"/>
           </a:xfrm>
           <a:prstGeom prst="roundRect">
             <a:avLst>
@@ -6019,9 +6019,9 @@
         <p:grpSpPr>
           <a:xfrm>
             <a:off x="4571640" y="828000"/>
-            <a:ext cx="4469040" cy="3565080"/>
+            <a:ext cx="4468680" cy="3564720"/>
             <a:chOff x="4571640" y="828000"/>
-            <a:chExt cx="4469040" cy="3565080"/>
+            <a:chExt cx="4468680" cy="3564720"/>
           </a:xfrm>
         </p:grpSpPr>
         <p:pic>
@@ -6037,7 +6037,7 @@
           <p:spPr>
             <a:xfrm>
               <a:off x="4571640" y="828000"/>
-              <a:ext cx="4469040" cy="3565080"/>
+              <a:ext cx="4468680" cy="3564720"/>
             </a:xfrm>
             <a:prstGeom prst="rect">
               <a:avLst/>
@@ -6055,8 +6055,8 @@
           </p:nvSpPr>
           <p:spPr>
             <a:xfrm rot="16200000">
-              <a:off x="5962680" y="1158120"/>
-              <a:ext cx="1738080" cy="2772000"/>
+              <a:off x="5962680" y="1158480"/>
+              <a:ext cx="1737720" cy="2771640"/>
             </a:xfrm>
             <a:prstGeom prst="roundRect">
               <a:avLst>
@@ -6123,7 +6123,7 @@
         <p:spPr>
           <a:xfrm>
             <a:off x="5446080" y="1672200"/>
-            <a:ext cx="2771640" cy="1738080"/>
+            <a:ext cx="2771280" cy="1737720"/>
           </a:xfrm>
           <a:prstGeom prst="rect">
             <a:avLst/>
@@ -6175,7 +6175,7 @@
         <p:spPr>
           <a:xfrm>
             <a:off x="586440" y="1246680"/>
-            <a:ext cx="4005000" cy="3600720"/>
+            <a:ext cx="4004640" cy="3600360"/>
           </a:xfrm>
           <a:prstGeom prst="rect">
             <a:avLst/>
@@ -6227,7 +6227,7 @@
         <p:spPr>
           <a:xfrm>
             <a:off x="586440" y="453960"/>
-            <a:ext cx="4764960" cy="856080"/>
+            <a:ext cx="4764600" cy="855720"/>
           </a:xfrm>
           <a:prstGeom prst="rect">
             <a:avLst/>
@@ -6316,7 +6316,7 @@
         <p:spPr>
           <a:xfrm rot="2745600">
             <a:off x="8349840" y="-668160"/>
-            <a:ext cx="1499040" cy="1499040"/>
+            <a:ext cx="1498680" cy="1498680"/>
           </a:xfrm>
           <a:prstGeom prst="roundRect">
             <a:avLst>
@@ -6353,8 +6353,8 @@
         </p:nvSpPr>
         <p:spPr>
           <a:xfrm rot="2745600">
-            <a:off x="7634160" y="-322920"/>
-            <a:ext cx="807840" cy="808200"/>
+            <a:off x="7634160" y="-322560"/>
+            <a:ext cx="807480" cy="807840"/>
           </a:xfrm>
           <a:prstGeom prst="roundRect">
             <a:avLst>
@@ -6393,7 +6393,7 @@
         <p:spPr>
           <a:xfrm>
             <a:off x="586440" y="899640"/>
-            <a:ext cx="7932600" cy="1537920"/>
+            <a:ext cx="7932240" cy="1537560"/>
           </a:xfrm>
           <a:prstGeom prst="rect">
             <a:avLst/>
@@ -6445,7 +6445,7 @@
         <p:spPr>
           <a:xfrm>
             <a:off x="608040" y="2545560"/>
-            <a:ext cx="3713040" cy="2256480"/>
+            <a:ext cx="3712680" cy="2256120"/>
           </a:xfrm>
           <a:prstGeom prst="rect">
             <a:avLst/>
@@ -6497,7 +6497,7 @@
         <p:spPr>
           <a:xfrm>
             <a:off x="4806360" y="2545560"/>
-            <a:ext cx="3713040" cy="2256480"/>
+            <a:ext cx="3712680" cy="2256120"/>
           </a:xfrm>
           <a:prstGeom prst="rect">
             <a:avLst/>
@@ -6549,7 +6549,7 @@
         <p:spPr>
           <a:xfrm>
             <a:off x="583200" y="450720"/>
-            <a:ext cx="7198920" cy="513000"/>
+            <a:ext cx="7198560" cy="512640"/>
           </a:xfrm>
           <a:prstGeom prst="rect">
             <a:avLst/>
@@ -6631,7 +6631,7 @@
         <p:spPr>
           <a:xfrm>
             <a:off x="586440" y="1246680"/>
-            <a:ext cx="4005000" cy="3600720"/>
+            <a:ext cx="4004640" cy="3600360"/>
           </a:xfrm>
           <a:prstGeom prst="rect">
             <a:avLst/>
@@ -6683,7 +6683,7 @@
         <p:spPr>
           <a:xfrm>
             <a:off x="559800" y="446040"/>
-            <a:ext cx="4284360" cy="684360"/>
+            <a:ext cx="4284000" cy="684000"/>
           </a:xfrm>
           <a:prstGeom prst="rect">
             <a:avLst/>
@@ -6735,7 +6735,7 @@
         <p:spPr>
           <a:xfrm>
             <a:off x="5097600" y="360"/>
-            <a:ext cx="4380480" cy="5144760"/>
+            <a:ext cx="4380120" cy="5144400"/>
           </a:xfrm>
           <a:prstGeom prst="roundRect">
             <a:avLst>
@@ -6800,8 +6800,8 @@
         </p:nvSpPr>
         <p:spPr>
           <a:xfrm rot="2744400">
-            <a:off x="-281880" y="-25920"/>
-            <a:ext cx="705240" cy="704880"/>
+            <a:off x="-281520" y="-25920"/>
+            <a:ext cx="704880" cy="704520"/>
           </a:xfrm>
           <a:prstGeom prst="roundRect">
             <a:avLst>
@@ -6838,8 +6838,8 @@
         </p:nvSpPr>
         <p:spPr>
           <a:xfrm rot="2625600">
-            <a:off x="4861080" y="4147200"/>
-            <a:ext cx="469080" cy="469080"/>
+            <a:off x="4861080" y="4146840"/>
+            <a:ext cx="468720" cy="468720"/>
           </a:xfrm>
           <a:prstGeom prst="roundRect">
             <a:avLst>
@@ -6913,8 +6913,8 @@
         </p:nvSpPr>
         <p:spPr>
           <a:xfrm rot="2744400">
-            <a:off x="-351000" y="4540680"/>
-            <a:ext cx="705240" cy="704880"/>
+            <a:off x="-350640" y="4540320"/>
+            <a:ext cx="704880" cy="704520"/>
           </a:xfrm>
           <a:prstGeom prst="roundRect">
             <a:avLst>
@@ -6951,8 +6951,8 @@
         </p:nvSpPr>
         <p:spPr>
           <a:xfrm rot="19228200">
-            <a:off x="5847120" y="-2267280"/>
-            <a:ext cx="4856040" cy="7727040"/>
+            <a:off x="5846760" y="-2266920"/>
+            <a:ext cx="4855680" cy="7726680"/>
           </a:xfrm>
           <a:prstGeom prst="roundRect">
             <a:avLst>
@@ -6990,9 +6990,9 @@
         <p:grpSpPr>
           <a:xfrm>
             <a:off x="4571640" y="828000"/>
-            <a:ext cx="4469040" cy="3565080"/>
+            <a:ext cx="4468680" cy="3564720"/>
             <a:chOff x="4571640" y="828000"/>
-            <a:chExt cx="4469040" cy="3565080"/>
+            <a:chExt cx="4468680" cy="3564720"/>
           </a:xfrm>
         </p:grpSpPr>
         <p:pic>
@@ -7008,7 +7008,7 @@
           <p:spPr>
             <a:xfrm>
               <a:off x="4571640" y="828000"/>
-              <a:ext cx="4469040" cy="3565080"/>
+              <a:ext cx="4468680" cy="3564720"/>
             </a:xfrm>
             <a:prstGeom prst="rect">
               <a:avLst/>
@@ -7026,8 +7026,8 @@
           </p:nvSpPr>
           <p:spPr>
             <a:xfrm rot="16200000">
-              <a:off x="5962680" y="1158120"/>
-              <a:ext cx="1738080" cy="2772000"/>
+              <a:off x="5962680" y="1158480"/>
+              <a:ext cx="1737720" cy="2771640"/>
             </a:xfrm>
             <a:prstGeom prst="roundRect">
               <a:avLst>
@@ -7094,7 +7094,7 @@
         <p:spPr>
           <a:xfrm>
             <a:off x="586440" y="1246680"/>
-            <a:ext cx="4005000" cy="3600720"/>
+            <a:ext cx="4004640" cy="3600360"/>
           </a:xfrm>
           <a:prstGeom prst="rect">
             <a:avLst/>
@@ -7146,7 +7146,7 @@
         <p:spPr>
           <a:xfrm>
             <a:off x="5446080" y="1672200"/>
-            <a:ext cx="2781000" cy="1738080"/>
+            <a:ext cx="2780640" cy="1737720"/>
           </a:xfrm>
           <a:prstGeom prst="rect">
             <a:avLst/>
@@ -7198,7 +7198,7 @@
         <p:spPr>
           <a:xfrm>
             <a:off x="586440" y="453960"/>
-            <a:ext cx="3697560" cy="856080"/>
+            <a:ext cx="3697200" cy="855720"/>
           </a:xfrm>
           <a:prstGeom prst="rect">
             <a:avLst/>
@@ -7287,7 +7287,7 @@
         <p:spPr>
           <a:xfrm>
             <a:off x="4222080" y="1246680"/>
-            <a:ext cx="4115880" cy="3600720"/>
+            <a:ext cx="4115520" cy="3600360"/>
           </a:xfrm>
           <a:prstGeom prst="rect">
             <a:avLst/>
@@ -7338,8 +7338,8 @@
         </p:nvSpPr>
         <p:spPr>
           <a:xfrm rot="16200000">
-            <a:off x="-2181600" y="1732680"/>
-            <a:ext cx="5144760" cy="1684800"/>
+            <a:off x="-2181600" y="1733040"/>
+            <a:ext cx="5144400" cy="1684440"/>
           </a:xfrm>
           <a:prstGeom prst="roundRect">
             <a:avLst>
@@ -7376,8 +7376,8 @@
         </p:nvSpPr>
         <p:spPr>
           <a:xfrm rot="2745000">
-            <a:off x="8575200" y="104400"/>
-            <a:ext cx="1133280" cy="1132920"/>
+            <a:off x="8575200" y="104040"/>
+            <a:ext cx="1132920" cy="1132560"/>
           </a:xfrm>
           <a:prstGeom prst="roundRect">
             <a:avLst>
@@ -7414,8 +7414,8 @@
         </p:nvSpPr>
         <p:spPr>
           <a:xfrm rot="16200000">
-            <a:off x="614880" y="918000"/>
-            <a:ext cx="3232800" cy="3314520"/>
+            <a:off x="614880" y="918360"/>
+            <a:ext cx="3232440" cy="3314160"/>
           </a:xfrm>
           <a:prstGeom prst="roundRect">
             <a:avLst>
@@ -7481,7 +7481,7 @@
         <p:spPr>
           <a:xfrm>
             <a:off x="4214160" y="456120"/>
-            <a:ext cx="4112640" cy="856080"/>
+            <a:ext cx="4112280" cy="855720"/>
           </a:xfrm>
           <a:prstGeom prst="rect">
             <a:avLst/>
@@ -7569,8 +7569,8 @@
         </p:nvSpPr>
         <p:spPr>
           <a:xfrm rot="2744400">
-            <a:off x="-281880" y="-25920"/>
-            <a:ext cx="705240" cy="704880"/>
+            <a:off x="-281520" y="-25920"/>
+            <a:ext cx="704880" cy="704520"/>
           </a:xfrm>
           <a:prstGeom prst="roundRect">
             <a:avLst>
@@ -7607,8 +7607,8 @@
         </p:nvSpPr>
         <p:spPr>
           <a:xfrm rot="2332200">
-            <a:off x="6009480" y="-320040"/>
-            <a:ext cx="4856400" cy="7727400"/>
+            <a:off x="6009480" y="-319680"/>
+            <a:ext cx="4856040" cy="7727040"/>
           </a:xfrm>
           <a:prstGeom prst="roundRect">
             <a:avLst>
@@ -7646,9 +7646,9 @@
         <p:grpSpPr>
           <a:xfrm>
             <a:off x="4571640" y="828000"/>
-            <a:ext cx="4469040" cy="3565080"/>
+            <a:ext cx="4468680" cy="3564720"/>
             <a:chOff x="4571640" y="828000"/>
-            <a:chExt cx="4469040" cy="3565080"/>
+            <a:chExt cx="4468680" cy="3564720"/>
           </a:xfrm>
         </p:grpSpPr>
         <p:pic>
@@ -7664,7 +7664,7 @@
           <p:spPr>
             <a:xfrm>
               <a:off x="4571640" y="828000"/>
-              <a:ext cx="4469040" cy="3565080"/>
+              <a:ext cx="4468680" cy="3564720"/>
             </a:xfrm>
             <a:prstGeom prst="rect">
               <a:avLst/>
@@ -7682,8 +7682,8 @@
           </p:nvSpPr>
           <p:spPr>
             <a:xfrm rot="16200000">
-              <a:off x="5962680" y="1158120"/>
-              <a:ext cx="1738080" cy="2772000"/>
+              <a:off x="5962680" y="1158480"/>
+              <a:ext cx="1737720" cy="2771640"/>
             </a:xfrm>
             <a:prstGeom prst="roundRect">
               <a:avLst>
@@ -7750,7 +7750,7 @@
         <p:spPr>
           <a:xfrm>
             <a:off x="5446080" y="1672200"/>
-            <a:ext cx="2771640" cy="1738080"/>
+            <a:ext cx="2771280" cy="1737720"/>
           </a:xfrm>
           <a:prstGeom prst="rect">
             <a:avLst/>
@@ -7802,7 +7802,7 @@
         <p:spPr>
           <a:xfrm>
             <a:off x="586440" y="1246680"/>
-            <a:ext cx="4005000" cy="3600720"/>
+            <a:ext cx="4004640" cy="3600360"/>
           </a:xfrm>
           <a:prstGeom prst="rect">
             <a:avLst/>
@@ -7854,7 +7854,7 @@
         <p:spPr>
           <a:xfrm>
             <a:off x="586440" y="453960"/>
-            <a:ext cx="4764960" cy="856080"/>
+            <a:ext cx="4764600" cy="855720"/>
           </a:xfrm>
           <a:prstGeom prst="rect">
             <a:avLst/>
@@ -7943,7 +7943,7 @@
         <p:spPr>
           <a:xfrm rot="2745600">
             <a:off x="8349840" y="-668160"/>
-            <a:ext cx="1499040" cy="1499040"/>
+            <a:ext cx="1498680" cy="1498680"/>
           </a:xfrm>
           <a:prstGeom prst="roundRect">
             <a:avLst>
@@ -7980,8 +7980,8 @@
         </p:nvSpPr>
         <p:spPr>
           <a:xfrm rot="2745600">
-            <a:off x="7634160" y="-322920"/>
-            <a:ext cx="807840" cy="808200"/>
+            <a:off x="7634160" y="-322560"/>
+            <a:ext cx="807480" cy="807840"/>
           </a:xfrm>
           <a:prstGeom prst="roundRect">
             <a:avLst>
@@ -8020,7 +8020,7 @@
         <p:spPr>
           <a:xfrm>
             <a:off x="586440" y="899640"/>
-            <a:ext cx="7932600" cy="1537920"/>
+            <a:ext cx="7932240" cy="1537560"/>
           </a:xfrm>
           <a:prstGeom prst="rect">
             <a:avLst/>
@@ -8072,7 +8072,7 @@
         <p:spPr>
           <a:xfrm>
             <a:off x="608040" y="2545560"/>
-            <a:ext cx="3713040" cy="2256480"/>
+            <a:ext cx="3712680" cy="2256120"/>
           </a:xfrm>
           <a:prstGeom prst="rect">
             <a:avLst/>
@@ -8124,7 +8124,7 @@
         <p:spPr>
           <a:xfrm>
             <a:off x="4806360" y="2545560"/>
-            <a:ext cx="3713040" cy="2256480"/>
+            <a:ext cx="3712680" cy="2256120"/>
           </a:xfrm>
           <a:prstGeom prst="rect">
             <a:avLst/>
@@ -8176,7 +8176,7 @@
         <p:spPr>
           <a:xfrm>
             <a:off x="583200" y="450720"/>
-            <a:ext cx="7198920" cy="513000"/>
+            <a:ext cx="7198560" cy="512640"/>
           </a:xfrm>
           <a:prstGeom prst="rect">
             <a:avLst/>
@@ -8258,7 +8258,7 @@
         <p:spPr>
           <a:xfrm>
             <a:off x="586440" y="1246680"/>
-            <a:ext cx="4005000" cy="3600720"/>
+            <a:ext cx="4004640" cy="3600360"/>
           </a:xfrm>
           <a:prstGeom prst="rect">
             <a:avLst/>
@@ -8310,7 +8310,7 @@
         <p:spPr>
           <a:xfrm>
             <a:off x="559800" y="446040"/>
-            <a:ext cx="4284360" cy="684360"/>
+            <a:ext cx="4284000" cy="684000"/>
           </a:xfrm>
           <a:prstGeom prst="rect">
             <a:avLst/>
@@ -8362,7 +8362,7 @@
         <p:spPr>
           <a:xfrm>
             <a:off x="5097600" y="360"/>
-            <a:ext cx="4380480" cy="5144760"/>
+            <a:ext cx="4380120" cy="5144400"/>
           </a:xfrm>
           <a:prstGeom prst="roundRect">
             <a:avLst>
@@ -8427,8 +8427,8 @@
         </p:nvSpPr>
         <p:spPr>
           <a:xfrm rot="2744400">
-            <a:off x="-281880" y="-25920"/>
-            <a:ext cx="705240" cy="704880"/>
+            <a:off x="-281520" y="-25920"/>
+            <a:ext cx="704880" cy="704520"/>
           </a:xfrm>
           <a:prstGeom prst="roundRect">
             <a:avLst>
@@ -8465,8 +8465,8 @@
         </p:nvSpPr>
         <p:spPr>
           <a:xfrm rot="2625600">
-            <a:off x="4861080" y="4147200"/>
-            <a:ext cx="469080" cy="469080"/>
+            <a:off x="4861080" y="4146840"/>
+            <a:ext cx="468720" cy="468720"/>
           </a:xfrm>
           <a:prstGeom prst="roundRect">
             <a:avLst>
@@ -8540,8 +8540,8 @@
         </p:nvSpPr>
         <p:spPr>
           <a:xfrm rot="2744400">
-            <a:off x="-281880" y="-25920"/>
-            <a:ext cx="705240" cy="704880"/>
+            <a:off x="-281520" y="-25920"/>
+            <a:ext cx="704880" cy="704520"/>
           </a:xfrm>
           <a:prstGeom prst="roundRect">
             <a:avLst>
@@ -8579,7 +8579,7 @@
         <p:spPr>
           <a:xfrm>
             <a:off x="569160" y="1888920"/>
-            <a:ext cx="4821840" cy="820800"/>
+            <a:ext cx="4821480" cy="820800"/>
           </a:xfrm>
           <a:prstGeom prst="rect">
             <a:avLst/>
@@ -8630,8 +8630,8 @@
         </p:nvSpPr>
         <p:spPr>
           <a:xfrm rot="18679800">
-            <a:off x="6782760" y="457560"/>
-            <a:ext cx="6251400" cy="4667040"/>
+            <a:off x="6782400" y="457560"/>
+            <a:ext cx="6251040" cy="4666680"/>
           </a:xfrm>
           <a:prstGeom prst="roundRect">
             <a:avLst>
@@ -8668,8 +8668,8 @@
         </p:nvSpPr>
         <p:spPr>
           <a:xfrm rot="2625600">
-            <a:off x="6024960" y="4333320"/>
-            <a:ext cx="469080" cy="469080"/>
+            <a:off x="6024960" y="4332960"/>
+            <a:ext cx="468720" cy="468720"/>
           </a:xfrm>
           <a:prstGeom prst="roundRect">
             <a:avLst>
@@ -8707,7 +8707,7 @@
         <p:spPr>
           <a:xfrm>
             <a:off x="1640880" y="4592880"/>
-            <a:ext cx="2996280" cy="267120"/>
+            <a:ext cx="2995920" cy="266760"/>
           </a:xfrm>
           <a:prstGeom prst="rect">
             <a:avLst/>
@@ -8769,7 +8769,7 @@
         <p:spPr>
           <a:xfrm>
             <a:off x="867240" y="3590280"/>
-            <a:ext cx="254160" cy="254520"/>
+            <a:ext cx="253800" cy="254160"/>
           </a:xfrm>
           <a:prstGeom prst="ellipse">
             <a:avLst/>
@@ -8804,7 +8804,7 @@
         <p:spPr>
           <a:xfrm>
             <a:off x="351000" y="3793320"/>
-            <a:ext cx="1286640" cy="1132200"/>
+            <a:ext cx="1286280" cy="1131840"/>
           </a:xfrm>
           <a:prstGeom prst="rect">
             <a:avLst/>
@@ -8853,7 +8853,7 @@
         <p:spPr>
           <a:xfrm>
             <a:off x="586440" y="1246680"/>
-            <a:ext cx="4005000" cy="3600720"/>
+            <a:ext cx="4004640" cy="3600360"/>
           </a:xfrm>
           <a:prstGeom prst="rect">
             <a:avLst/>
@@ -8905,7 +8905,7 @@
         <p:spPr>
           <a:xfrm>
             <a:off x="559800" y="446040"/>
-            <a:ext cx="4284360" cy="684360"/>
+            <a:ext cx="4284000" cy="684000"/>
           </a:xfrm>
           <a:prstGeom prst="rect">
             <a:avLst/>
@@ -8957,7 +8957,7 @@
         <p:spPr>
           <a:xfrm>
             <a:off x="5097600" y="360"/>
-            <a:ext cx="4380480" cy="5144760"/>
+            <a:ext cx="4380120" cy="5144400"/>
           </a:xfrm>
           <a:prstGeom prst="roundRect">
             <a:avLst>
@@ -9022,8 +9022,8 @@
         </p:nvSpPr>
         <p:spPr>
           <a:xfrm rot="2744400">
-            <a:off x="-281880" y="-25920"/>
-            <a:ext cx="705240" cy="704880"/>
+            <a:off x="-281520" y="-25920"/>
+            <a:ext cx="704880" cy="704520"/>
           </a:xfrm>
           <a:prstGeom prst="roundRect">
             <a:avLst>
@@ -9060,8 +9060,8 @@
         </p:nvSpPr>
         <p:spPr>
           <a:xfrm rot="2625600">
-            <a:off x="4861080" y="4147200"/>
-            <a:ext cx="469080" cy="469080"/>
+            <a:off x="4861080" y="4146840"/>
+            <a:ext cx="468720" cy="468720"/>
           </a:xfrm>
           <a:prstGeom prst="roundRect">
             <a:avLst>
@@ -9135,8 +9135,8 @@
         </p:nvSpPr>
         <p:spPr>
           <a:xfrm rot="2744400">
-            <a:off x="-351000" y="4540680"/>
-            <a:ext cx="705240" cy="704880"/>
+            <a:off x="-350640" y="4540320"/>
+            <a:ext cx="704880" cy="704520"/>
           </a:xfrm>
           <a:prstGeom prst="roundRect">
             <a:avLst>
@@ -9173,8 +9173,8 @@
         </p:nvSpPr>
         <p:spPr>
           <a:xfrm rot="19228200">
-            <a:off x="5847120" y="-2267280"/>
-            <a:ext cx="4856040" cy="7727040"/>
+            <a:off x="5846760" y="-2266920"/>
+            <a:ext cx="4855680" cy="7726680"/>
           </a:xfrm>
           <a:prstGeom prst="roundRect">
             <a:avLst>
@@ -9212,9 +9212,9 @@
         <p:grpSpPr>
           <a:xfrm>
             <a:off x="4571640" y="828000"/>
-            <a:ext cx="4469040" cy="3565080"/>
+            <a:ext cx="4468680" cy="3564720"/>
             <a:chOff x="4571640" y="828000"/>
-            <a:chExt cx="4469040" cy="3565080"/>
+            <a:chExt cx="4468680" cy="3564720"/>
           </a:xfrm>
         </p:grpSpPr>
         <p:pic>
@@ -9230,7 +9230,7 @@
           <p:spPr>
             <a:xfrm>
               <a:off x="4571640" y="828000"/>
-              <a:ext cx="4469040" cy="3565080"/>
+              <a:ext cx="4468680" cy="3564720"/>
             </a:xfrm>
             <a:prstGeom prst="rect">
               <a:avLst/>
@@ -9248,8 +9248,8 @@
           </p:nvSpPr>
           <p:spPr>
             <a:xfrm rot="16200000">
-              <a:off x="5962680" y="1158120"/>
-              <a:ext cx="1738080" cy="2772000"/>
+              <a:off x="5962680" y="1158480"/>
+              <a:ext cx="1737720" cy="2771640"/>
             </a:xfrm>
             <a:prstGeom prst="roundRect">
               <a:avLst>
@@ -9316,7 +9316,7 @@
         <p:spPr>
           <a:xfrm>
             <a:off x="586440" y="1246680"/>
-            <a:ext cx="4005000" cy="3600720"/>
+            <a:ext cx="4004640" cy="3600360"/>
           </a:xfrm>
           <a:prstGeom prst="rect">
             <a:avLst/>
@@ -9368,7 +9368,7 @@
         <p:spPr>
           <a:xfrm>
             <a:off x="5446080" y="1672200"/>
-            <a:ext cx="2781000" cy="1738080"/>
+            <a:ext cx="2780640" cy="1737720"/>
           </a:xfrm>
           <a:prstGeom prst="rect">
             <a:avLst/>
@@ -9420,7 +9420,7 @@
         <p:spPr>
           <a:xfrm>
             <a:off x="586440" y="453960"/>
-            <a:ext cx="3697560" cy="856080"/>
+            <a:ext cx="3697200" cy="855720"/>
           </a:xfrm>
           <a:prstGeom prst="rect">
             <a:avLst/>
@@ -9509,7 +9509,7 @@
         <p:spPr>
           <a:xfrm>
             <a:off x="4222080" y="1246680"/>
-            <a:ext cx="4115880" cy="3600720"/>
+            <a:ext cx="4115520" cy="3600360"/>
           </a:xfrm>
           <a:prstGeom prst="rect">
             <a:avLst/>
@@ -9560,8 +9560,8 @@
         </p:nvSpPr>
         <p:spPr>
           <a:xfrm rot="16200000">
-            <a:off x="-2181600" y="1732680"/>
-            <a:ext cx="5144760" cy="1684800"/>
+            <a:off x="-2181600" y="1733040"/>
+            <a:ext cx="5144400" cy="1684440"/>
           </a:xfrm>
           <a:prstGeom prst="roundRect">
             <a:avLst>
@@ -9598,8 +9598,8 @@
         </p:nvSpPr>
         <p:spPr>
           <a:xfrm rot="2745000">
-            <a:off x="8575200" y="104400"/>
-            <a:ext cx="1133280" cy="1132920"/>
+            <a:off x="8575200" y="104040"/>
+            <a:ext cx="1132920" cy="1132560"/>
           </a:xfrm>
           <a:prstGeom prst="roundRect">
             <a:avLst>
@@ -9636,8 +9636,8 @@
         </p:nvSpPr>
         <p:spPr>
           <a:xfrm rot="16200000">
-            <a:off x="614880" y="918000"/>
-            <a:ext cx="3232800" cy="3314520"/>
+            <a:off x="614880" y="918360"/>
+            <a:ext cx="3232440" cy="3314160"/>
           </a:xfrm>
           <a:prstGeom prst="roundRect">
             <a:avLst>
@@ -9703,7 +9703,7 @@
         <p:spPr>
           <a:xfrm>
             <a:off x="4214160" y="456120"/>
-            <a:ext cx="4112640" cy="856080"/>
+            <a:ext cx="4112280" cy="855720"/>
           </a:xfrm>
           <a:prstGeom prst="rect">
             <a:avLst/>
@@ -9791,8 +9791,8 @@
         </p:nvSpPr>
         <p:spPr>
           <a:xfrm rot="2744400">
-            <a:off x="-281880" y="-25920"/>
-            <a:ext cx="705240" cy="704880"/>
+            <a:off x="-281520" y="-25920"/>
+            <a:ext cx="704880" cy="704520"/>
           </a:xfrm>
           <a:prstGeom prst="roundRect">
             <a:avLst>
@@ -9829,8 +9829,8 @@
         </p:nvSpPr>
         <p:spPr>
           <a:xfrm rot="2332200">
-            <a:off x="6009480" y="-320040"/>
-            <a:ext cx="4856400" cy="7727400"/>
+            <a:off x="6009480" y="-319680"/>
+            <a:ext cx="4856040" cy="7727040"/>
           </a:xfrm>
           <a:prstGeom prst="roundRect">
             <a:avLst>
@@ -9868,9 +9868,9 @@
         <p:grpSpPr>
           <a:xfrm>
             <a:off x="4571640" y="828000"/>
-            <a:ext cx="4469040" cy="3565080"/>
+            <a:ext cx="4468680" cy="3564720"/>
             <a:chOff x="4571640" y="828000"/>
-            <a:chExt cx="4469040" cy="3565080"/>
+            <a:chExt cx="4468680" cy="3564720"/>
           </a:xfrm>
         </p:grpSpPr>
         <p:pic>
@@ -9886,7 +9886,7 @@
           <p:spPr>
             <a:xfrm>
               <a:off x="4571640" y="828000"/>
-              <a:ext cx="4469040" cy="3565080"/>
+              <a:ext cx="4468680" cy="3564720"/>
             </a:xfrm>
             <a:prstGeom prst="rect">
               <a:avLst/>
@@ -9904,8 +9904,8 @@
           </p:nvSpPr>
           <p:spPr>
             <a:xfrm rot="16200000">
-              <a:off x="5962680" y="1158120"/>
-              <a:ext cx="1738080" cy="2772000"/>
+              <a:off x="5962680" y="1158480"/>
+              <a:ext cx="1737720" cy="2771640"/>
             </a:xfrm>
             <a:prstGeom prst="roundRect">
               <a:avLst>
@@ -9972,7 +9972,7 @@
         <p:spPr>
           <a:xfrm>
             <a:off x="5446080" y="1672200"/>
-            <a:ext cx="2771640" cy="1738080"/>
+            <a:ext cx="2771280" cy="1737720"/>
           </a:xfrm>
           <a:prstGeom prst="rect">
             <a:avLst/>
@@ -10024,7 +10024,7 @@
         <p:spPr>
           <a:xfrm>
             <a:off x="586440" y="1246680"/>
-            <a:ext cx="4005000" cy="3600720"/>
+            <a:ext cx="4004640" cy="3600360"/>
           </a:xfrm>
           <a:prstGeom prst="rect">
             <a:avLst/>
@@ -10076,7 +10076,7 @@
         <p:spPr>
           <a:xfrm>
             <a:off x="586440" y="453960"/>
-            <a:ext cx="4764960" cy="856080"/>
+            <a:ext cx="4764600" cy="855720"/>
           </a:xfrm>
           <a:prstGeom prst="rect">
             <a:avLst/>
@@ -10165,7 +10165,7 @@
         <p:spPr>
           <a:xfrm rot="2745600">
             <a:off x="8349840" y="-668160"/>
-            <a:ext cx="1499040" cy="1499040"/>
+            <a:ext cx="1498680" cy="1498680"/>
           </a:xfrm>
           <a:prstGeom prst="roundRect">
             <a:avLst>
@@ -10202,8 +10202,8 @@
         </p:nvSpPr>
         <p:spPr>
           <a:xfrm rot="2745600">
-            <a:off x="7634160" y="-322920"/>
-            <a:ext cx="807840" cy="808200"/>
+            <a:off x="7634160" y="-322560"/>
+            <a:ext cx="807480" cy="807840"/>
           </a:xfrm>
           <a:prstGeom prst="roundRect">
             <a:avLst>
@@ -10242,7 +10242,7 @@
         <p:spPr>
           <a:xfrm>
             <a:off x="586440" y="899640"/>
-            <a:ext cx="7932600" cy="1537920"/>
+            <a:ext cx="7932240" cy="1537560"/>
           </a:xfrm>
           <a:prstGeom prst="rect">
             <a:avLst/>
@@ -10294,7 +10294,7 @@
         <p:spPr>
           <a:xfrm>
             <a:off x="608040" y="2545560"/>
-            <a:ext cx="3713040" cy="2256480"/>
+            <a:ext cx="3712680" cy="2256120"/>
           </a:xfrm>
           <a:prstGeom prst="rect">
             <a:avLst/>
@@ -10346,7 +10346,7 @@
         <p:spPr>
           <a:xfrm>
             <a:off x="4806360" y="2545560"/>
-            <a:ext cx="3713040" cy="2256480"/>
+            <a:ext cx="3712680" cy="2256120"/>
           </a:xfrm>
           <a:prstGeom prst="rect">
             <a:avLst/>
@@ -10398,7 +10398,7 @@
         <p:spPr>
           <a:xfrm>
             <a:off x="583200" y="450720"/>
-            <a:ext cx="7198920" cy="513000"/>
+            <a:ext cx="7198560" cy="512640"/>
           </a:xfrm>
           <a:prstGeom prst="rect">
             <a:avLst/>
@@ -10480,7 +10480,7 @@
         <p:spPr>
           <a:xfrm>
             <a:off x="586440" y="1246680"/>
-            <a:ext cx="4005000" cy="3600720"/>
+            <a:ext cx="4004640" cy="3600360"/>
           </a:xfrm>
           <a:prstGeom prst="rect">
             <a:avLst/>
@@ -10532,7 +10532,7 @@
         <p:spPr>
           <a:xfrm>
             <a:off x="559800" y="446040"/>
-            <a:ext cx="4284360" cy="684360"/>
+            <a:ext cx="4284000" cy="684000"/>
           </a:xfrm>
           <a:prstGeom prst="rect">
             <a:avLst/>
@@ -10584,7 +10584,7 @@
         <p:spPr>
           <a:xfrm>
             <a:off x="5097600" y="360"/>
-            <a:ext cx="4380480" cy="5144760"/>
+            <a:ext cx="4380120" cy="5144400"/>
           </a:xfrm>
           <a:prstGeom prst="roundRect">
             <a:avLst>
@@ -10649,8 +10649,8 @@
         </p:nvSpPr>
         <p:spPr>
           <a:xfrm rot="2744400">
-            <a:off x="-281880" y="-25920"/>
-            <a:ext cx="705240" cy="704880"/>
+            <a:off x="-281520" y="-25920"/>
+            <a:ext cx="704880" cy="704520"/>
           </a:xfrm>
           <a:prstGeom prst="roundRect">
             <a:avLst>
@@ -10687,8 +10687,8 @@
         </p:nvSpPr>
         <p:spPr>
           <a:xfrm rot="2625600">
-            <a:off x="4861080" y="4147200"/>
-            <a:ext cx="469080" cy="469080"/>
+            <a:off x="4861080" y="4146840"/>
+            <a:ext cx="468720" cy="468720"/>
           </a:xfrm>
           <a:prstGeom prst="roundRect">
             <a:avLst>
@@ -10762,8 +10762,8 @@
         </p:nvSpPr>
         <p:spPr>
           <a:xfrm rot="2744400">
-            <a:off x="-351000" y="4540680"/>
-            <a:ext cx="705240" cy="704880"/>
+            <a:off x="-350640" y="4540320"/>
+            <a:ext cx="704880" cy="704520"/>
           </a:xfrm>
           <a:prstGeom prst="roundRect">
             <a:avLst>
@@ -10800,8 +10800,8 @@
         </p:nvSpPr>
         <p:spPr>
           <a:xfrm rot="19228200">
-            <a:off x="5847120" y="-2267280"/>
-            <a:ext cx="4856040" cy="7727040"/>
+            <a:off x="5846760" y="-2266920"/>
+            <a:ext cx="4855680" cy="7726680"/>
           </a:xfrm>
           <a:prstGeom prst="roundRect">
             <a:avLst>
@@ -10839,9 +10839,9 @@
         <p:grpSpPr>
           <a:xfrm>
             <a:off x="4571640" y="828000"/>
-            <a:ext cx="4469040" cy="3565080"/>
+            <a:ext cx="4468680" cy="3564720"/>
             <a:chOff x="4571640" y="828000"/>
-            <a:chExt cx="4469040" cy="3565080"/>
+            <a:chExt cx="4468680" cy="3564720"/>
           </a:xfrm>
         </p:grpSpPr>
         <p:pic>
@@ -10857,7 +10857,7 @@
           <p:spPr>
             <a:xfrm>
               <a:off x="4571640" y="828000"/>
-              <a:ext cx="4469040" cy="3565080"/>
+              <a:ext cx="4468680" cy="3564720"/>
             </a:xfrm>
             <a:prstGeom prst="rect">
               <a:avLst/>
@@ -10875,8 +10875,8 @@
           </p:nvSpPr>
           <p:spPr>
             <a:xfrm rot="16200000">
-              <a:off x="5962680" y="1158120"/>
-              <a:ext cx="1738080" cy="2772000"/>
+              <a:off x="5962680" y="1158480"/>
+              <a:ext cx="1737720" cy="2771640"/>
             </a:xfrm>
             <a:prstGeom prst="roundRect">
               <a:avLst>
@@ -10943,7 +10943,7 @@
         <p:spPr>
           <a:xfrm>
             <a:off x="586440" y="1246680"/>
-            <a:ext cx="4005000" cy="3600720"/>
+            <a:ext cx="4004640" cy="3600360"/>
           </a:xfrm>
           <a:prstGeom prst="rect">
             <a:avLst/>
@@ -10995,7 +10995,7 @@
         <p:spPr>
           <a:xfrm>
             <a:off x="5446080" y="1672200"/>
-            <a:ext cx="2781000" cy="1738080"/>
+            <a:ext cx="2780640" cy="1737720"/>
           </a:xfrm>
           <a:prstGeom prst="rect">
             <a:avLst/>
@@ -11047,7 +11047,7 @@
         <p:spPr>
           <a:xfrm>
             <a:off x="586440" y="453960"/>
-            <a:ext cx="3697560" cy="856080"/>
+            <a:ext cx="3697200" cy="855720"/>
           </a:xfrm>
           <a:prstGeom prst="rect">
             <a:avLst/>
@@ -11136,7 +11136,7 @@
         <p:spPr>
           <a:xfrm>
             <a:off x="4222080" y="1246680"/>
-            <a:ext cx="4115880" cy="3600720"/>
+            <a:ext cx="4115520" cy="3600360"/>
           </a:xfrm>
           <a:prstGeom prst="rect">
             <a:avLst/>
@@ -11187,8 +11187,8 @@
         </p:nvSpPr>
         <p:spPr>
           <a:xfrm rot="16200000">
-            <a:off x="-2181600" y="1732680"/>
-            <a:ext cx="5144760" cy="1684800"/>
+            <a:off x="-2181600" y="1733040"/>
+            <a:ext cx="5144400" cy="1684440"/>
           </a:xfrm>
           <a:prstGeom prst="roundRect">
             <a:avLst>
@@ -11225,8 +11225,8 @@
         </p:nvSpPr>
         <p:spPr>
           <a:xfrm rot="2745000">
-            <a:off x="8575200" y="104400"/>
-            <a:ext cx="1133280" cy="1132920"/>
+            <a:off x="8575200" y="104040"/>
+            <a:ext cx="1132920" cy="1132560"/>
           </a:xfrm>
           <a:prstGeom prst="roundRect">
             <a:avLst>
@@ -11263,8 +11263,8 @@
         </p:nvSpPr>
         <p:spPr>
           <a:xfrm rot="16200000">
-            <a:off x="614880" y="918000"/>
-            <a:ext cx="3232800" cy="3314520"/>
+            <a:off x="614880" y="918360"/>
+            <a:ext cx="3232440" cy="3314160"/>
           </a:xfrm>
           <a:prstGeom prst="roundRect">
             <a:avLst>
@@ -11330,7 +11330,7 @@
         <p:spPr>
           <a:xfrm>
             <a:off x="4214160" y="456120"/>
-            <a:ext cx="4112640" cy="856080"/>
+            <a:ext cx="4112280" cy="855720"/>
           </a:xfrm>
           <a:prstGeom prst="rect">
             <a:avLst/>
